--- a/Music_Player/Music Player.pptx
+++ b/Music_Player/Music Player.pptx
@@ -264,7 +264,7 @@
           <a:p>
             <a:fld id="{EE92AEE4-F7CA-4284-B040-55EE258799A7}" type="datetimeFigureOut">
               <a:rPr lang="en-US" smtClean="0"/>
-              <a:t>12/4/2019</a:t>
+              <a:t>05-Dec-19</a:t>
             </a:fld>
             <a:endParaRPr lang="en-US"/>
           </a:p>
@@ -462,7 +462,7 @@
           <a:p>
             <a:fld id="{EE92AEE4-F7CA-4284-B040-55EE258799A7}" type="datetimeFigureOut">
               <a:rPr lang="en-US" smtClean="0"/>
-              <a:t>12/4/2019</a:t>
+              <a:t>05-Dec-19</a:t>
             </a:fld>
             <a:endParaRPr lang="en-US"/>
           </a:p>
@@ -670,7 +670,7 @@
           <a:p>
             <a:fld id="{EE92AEE4-F7CA-4284-B040-55EE258799A7}" type="datetimeFigureOut">
               <a:rPr lang="en-US" smtClean="0"/>
-              <a:t>12/4/2019</a:t>
+              <a:t>05-Dec-19</a:t>
             </a:fld>
             <a:endParaRPr lang="en-US"/>
           </a:p>
@@ -868,7 +868,7 @@
           <a:p>
             <a:fld id="{EE92AEE4-F7CA-4284-B040-55EE258799A7}" type="datetimeFigureOut">
               <a:rPr lang="en-US" smtClean="0"/>
-              <a:t>12/4/2019</a:t>
+              <a:t>05-Dec-19</a:t>
             </a:fld>
             <a:endParaRPr lang="en-US"/>
           </a:p>
@@ -1143,7 +1143,7 @@
           <a:p>
             <a:fld id="{EE92AEE4-F7CA-4284-B040-55EE258799A7}" type="datetimeFigureOut">
               <a:rPr lang="en-US" smtClean="0"/>
-              <a:t>12/4/2019</a:t>
+              <a:t>05-Dec-19</a:t>
             </a:fld>
             <a:endParaRPr lang="en-US"/>
           </a:p>
@@ -1408,7 +1408,7 @@
           <a:p>
             <a:fld id="{EE92AEE4-F7CA-4284-B040-55EE258799A7}" type="datetimeFigureOut">
               <a:rPr lang="en-US" smtClean="0"/>
-              <a:t>12/4/2019</a:t>
+              <a:t>05-Dec-19</a:t>
             </a:fld>
             <a:endParaRPr lang="en-US"/>
           </a:p>
@@ -1820,7 +1820,7 @@
           <a:p>
             <a:fld id="{EE92AEE4-F7CA-4284-B040-55EE258799A7}" type="datetimeFigureOut">
               <a:rPr lang="en-US" smtClean="0"/>
-              <a:t>12/4/2019</a:t>
+              <a:t>05-Dec-19</a:t>
             </a:fld>
             <a:endParaRPr lang="en-US"/>
           </a:p>
@@ -1961,7 +1961,7 @@
           <a:p>
             <a:fld id="{EE92AEE4-F7CA-4284-B040-55EE258799A7}" type="datetimeFigureOut">
               <a:rPr lang="en-US" smtClean="0"/>
-              <a:t>12/4/2019</a:t>
+              <a:t>05-Dec-19</a:t>
             </a:fld>
             <a:endParaRPr lang="en-US"/>
           </a:p>
@@ -2074,7 +2074,7 @@
           <a:p>
             <a:fld id="{EE92AEE4-F7CA-4284-B040-55EE258799A7}" type="datetimeFigureOut">
               <a:rPr lang="en-US" smtClean="0"/>
-              <a:t>12/4/2019</a:t>
+              <a:t>05-Dec-19</a:t>
             </a:fld>
             <a:endParaRPr lang="en-US"/>
           </a:p>
@@ -2385,7 +2385,7 @@
           <a:p>
             <a:fld id="{EE92AEE4-F7CA-4284-B040-55EE258799A7}" type="datetimeFigureOut">
               <a:rPr lang="en-US" smtClean="0"/>
-              <a:t>12/4/2019</a:t>
+              <a:t>05-Dec-19</a:t>
             </a:fld>
             <a:endParaRPr lang="en-US"/>
           </a:p>
@@ -2673,7 +2673,7 @@
           <a:p>
             <a:fld id="{EE92AEE4-F7CA-4284-B040-55EE258799A7}" type="datetimeFigureOut">
               <a:rPr lang="en-US" smtClean="0"/>
-              <a:t>12/4/2019</a:t>
+              <a:t>05-Dec-19</a:t>
             </a:fld>
             <a:endParaRPr lang="en-US"/>
           </a:p>
@@ -2914,7 +2914,7 @@
           <a:p>
             <a:fld id="{EE92AEE4-F7CA-4284-B040-55EE258799A7}" type="datetimeFigureOut">
               <a:rPr lang="en-US" smtClean="0"/>
-              <a:t>12/4/2019</a:t>
+              <a:t>05-Dec-19</a:t>
             </a:fld>
             <a:endParaRPr lang="en-US"/>
           </a:p>
@@ -5032,7 +5032,7 @@
                 <a:ea typeface="+mn-ea"/>
                 <a:cs typeface="+mn-cs"/>
               </a:rPr>
-              <a:t>Play .wav and .</a:t>
+              <a:t>Play .wav (8/16bit, Mono/Stereo) and .</a:t>
             </a:r>
             <a:r>
               <a:rPr lang="en-US" sz="2400" kern="1200" dirty="0" err="1">
@@ -5054,8 +5054,27 @@
                 <a:ea typeface="+mn-ea"/>
                 <a:cs typeface="+mn-cs"/>
               </a:rPr>
-              <a:t> file</a:t>
-            </a:r>
+              <a:t> file(in </a:t>
+            </a:r>
+            <a:r>
+              <a:rPr lang="en-US" sz="2400" kern="1200">
+                <a:solidFill>
+                  <a:srgbClr val="000000"/>
+                </a:solidFill>
+                <a:latin typeface="+mn-lt"/>
+                <a:ea typeface="+mn-ea"/>
+                <a:cs typeface="+mn-cs"/>
+              </a:rPr>
+              <a:t>certain condition)</a:t>
+            </a:r>
+            <a:endParaRPr lang="en-US" sz="2400" kern="1200" dirty="0">
+              <a:solidFill>
+                <a:srgbClr val="000000"/>
+              </a:solidFill>
+              <a:latin typeface="+mn-lt"/>
+              <a:ea typeface="+mn-ea"/>
+              <a:cs typeface="+mn-cs"/>
+            </a:endParaRPr>
           </a:p>
         </p:txBody>
       </p:sp>

--- a/Music_Player/Music Player.pptx
+++ b/Music_Player/Music Player.pptx
@@ -264,7 +264,7 @@
           <a:p>
             <a:fld id="{EE92AEE4-F7CA-4284-B040-55EE258799A7}" type="datetimeFigureOut">
               <a:rPr lang="en-US" smtClean="0"/>
-              <a:t>05-Dec-19</a:t>
+              <a:t>12/5/2019</a:t>
             </a:fld>
             <a:endParaRPr lang="en-US"/>
           </a:p>
@@ -462,7 +462,7 @@
           <a:p>
             <a:fld id="{EE92AEE4-F7CA-4284-B040-55EE258799A7}" type="datetimeFigureOut">
               <a:rPr lang="en-US" smtClean="0"/>
-              <a:t>05-Dec-19</a:t>
+              <a:t>12/5/2019</a:t>
             </a:fld>
             <a:endParaRPr lang="en-US"/>
           </a:p>
@@ -670,7 +670,7 @@
           <a:p>
             <a:fld id="{EE92AEE4-F7CA-4284-B040-55EE258799A7}" type="datetimeFigureOut">
               <a:rPr lang="en-US" smtClean="0"/>
-              <a:t>05-Dec-19</a:t>
+              <a:t>12/5/2019</a:t>
             </a:fld>
             <a:endParaRPr lang="en-US"/>
           </a:p>
@@ -868,7 +868,7 @@
           <a:p>
             <a:fld id="{EE92AEE4-F7CA-4284-B040-55EE258799A7}" type="datetimeFigureOut">
               <a:rPr lang="en-US" smtClean="0"/>
-              <a:t>05-Dec-19</a:t>
+              <a:t>12/5/2019</a:t>
             </a:fld>
             <a:endParaRPr lang="en-US"/>
           </a:p>
@@ -1143,7 +1143,7 @@
           <a:p>
             <a:fld id="{EE92AEE4-F7CA-4284-B040-55EE258799A7}" type="datetimeFigureOut">
               <a:rPr lang="en-US" smtClean="0"/>
-              <a:t>05-Dec-19</a:t>
+              <a:t>12/5/2019</a:t>
             </a:fld>
             <a:endParaRPr lang="en-US"/>
           </a:p>
@@ -1408,7 +1408,7 @@
           <a:p>
             <a:fld id="{EE92AEE4-F7CA-4284-B040-55EE258799A7}" type="datetimeFigureOut">
               <a:rPr lang="en-US" smtClean="0"/>
-              <a:t>05-Dec-19</a:t>
+              <a:t>12/5/2019</a:t>
             </a:fld>
             <a:endParaRPr lang="en-US"/>
           </a:p>
@@ -1820,7 +1820,7 @@
           <a:p>
             <a:fld id="{EE92AEE4-F7CA-4284-B040-55EE258799A7}" type="datetimeFigureOut">
               <a:rPr lang="en-US" smtClean="0"/>
-              <a:t>05-Dec-19</a:t>
+              <a:t>12/5/2019</a:t>
             </a:fld>
             <a:endParaRPr lang="en-US"/>
           </a:p>
@@ -1961,7 +1961,7 @@
           <a:p>
             <a:fld id="{EE92AEE4-F7CA-4284-B040-55EE258799A7}" type="datetimeFigureOut">
               <a:rPr lang="en-US" smtClean="0"/>
-              <a:t>05-Dec-19</a:t>
+              <a:t>12/5/2019</a:t>
             </a:fld>
             <a:endParaRPr lang="en-US"/>
           </a:p>
@@ -2074,7 +2074,7 @@
           <a:p>
             <a:fld id="{EE92AEE4-F7CA-4284-B040-55EE258799A7}" type="datetimeFigureOut">
               <a:rPr lang="en-US" smtClean="0"/>
-              <a:t>05-Dec-19</a:t>
+              <a:t>12/5/2019</a:t>
             </a:fld>
             <a:endParaRPr lang="en-US"/>
           </a:p>
@@ -2385,7 +2385,7 @@
           <a:p>
             <a:fld id="{EE92AEE4-F7CA-4284-B040-55EE258799A7}" type="datetimeFigureOut">
               <a:rPr lang="en-US" smtClean="0"/>
-              <a:t>05-Dec-19</a:t>
+              <a:t>12/5/2019</a:t>
             </a:fld>
             <a:endParaRPr lang="en-US"/>
           </a:p>
@@ -2673,7 +2673,7 @@
           <a:p>
             <a:fld id="{EE92AEE4-F7CA-4284-B040-55EE258799A7}" type="datetimeFigureOut">
               <a:rPr lang="en-US" smtClean="0"/>
-              <a:t>05-Dec-19</a:t>
+              <a:t>12/5/2019</a:t>
             </a:fld>
             <a:endParaRPr lang="en-US"/>
           </a:p>
@@ -2914,7 +2914,7 @@
           <a:p>
             <a:fld id="{EE92AEE4-F7CA-4284-B040-55EE258799A7}" type="datetimeFigureOut">
               <a:rPr lang="en-US" smtClean="0"/>
-              <a:t>05-Dec-19</a:t>
+              <a:t>12/5/2019</a:t>
             </a:fld>
             <a:endParaRPr lang="en-US"/>
           </a:p>
@@ -5054,27 +5054,8 @@
                 <a:ea typeface="+mn-ea"/>
                 <a:cs typeface="+mn-cs"/>
               </a:rPr>
-              <a:t> file(in </a:t>
-            </a:r>
-            <a:r>
-              <a:rPr lang="en-US" sz="2400" kern="1200">
-                <a:solidFill>
-                  <a:srgbClr val="000000"/>
-                </a:solidFill>
-                <a:latin typeface="+mn-lt"/>
-                <a:ea typeface="+mn-ea"/>
-                <a:cs typeface="+mn-cs"/>
-              </a:rPr>
-              <a:t>certain condition)</a:t>
-            </a:r>
-            <a:endParaRPr lang="en-US" sz="2400" kern="1200" dirty="0">
-              <a:solidFill>
-                <a:srgbClr val="000000"/>
-              </a:solidFill>
-              <a:latin typeface="+mn-lt"/>
-              <a:ea typeface="+mn-ea"/>
-              <a:cs typeface="+mn-cs"/>
-            </a:endParaRPr>
+              <a:t> file(in certain conditions)</a:t>
+            </a:r>
           </a:p>
         </p:txBody>
       </p:sp>
